--- a/Basic Java.pptx
+++ b/Basic Java.pptx
@@ -8,6 +8,7 @@
     <p:sldId id="256" r:id="rId2"/>
     <p:sldId id="257" r:id="rId3"/>
     <p:sldId id="258" r:id="rId4"/>
+    <p:sldId id="259" r:id="rId5"/>
   </p:sldIdLst>
   <p:sldSz cx="12192000" cy="6858000"/>
   <p:notesSz cx="6858000" cy="9144000"/>
@@ -253,7 +254,7 @@
           <a:p>
             <a:fld id="{8FAF777D-AA10-4302-9FEE-E5B4EBC67278}" type="datetimeFigureOut">
               <a:rPr lang="en-US" smtClean="0"/>
-              <a:t>11/20/2025</a:t>
+              <a:t>11/27/2025</a:t>
             </a:fld>
             <a:endParaRPr lang="en-US"/>
           </a:p>
@@ -464,7 +465,7 @@
           <a:p>
             <a:fld id="{8FAF777D-AA10-4302-9FEE-E5B4EBC67278}" type="datetimeFigureOut">
               <a:rPr lang="en-US" smtClean="0"/>
-              <a:t>11/20/2025</a:t>
+              <a:t>11/27/2025</a:t>
             </a:fld>
             <a:endParaRPr lang="en-US"/>
           </a:p>
@@ -679,7 +680,7 @@
           <a:p>
             <a:fld id="{8FAF777D-AA10-4302-9FEE-E5B4EBC67278}" type="datetimeFigureOut">
               <a:rPr lang="en-US" smtClean="0"/>
-              <a:t>11/20/2025</a:t>
+              <a:t>11/27/2025</a:t>
             </a:fld>
             <a:endParaRPr lang="en-US"/>
           </a:p>
@@ -880,7 +881,7 @@
           <a:p>
             <a:fld id="{8FAF777D-AA10-4302-9FEE-E5B4EBC67278}" type="datetimeFigureOut">
               <a:rPr lang="en-US" smtClean="0"/>
-              <a:t>11/20/2025</a:t>
+              <a:t>11/27/2025</a:t>
             </a:fld>
             <a:endParaRPr lang="en-US"/>
           </a:p>
@@ -1159,7 +1160,7 @@
           <a:p>
             <a:fld id="{8FAF777D-AA10-4302-9FEE-E5B4EBC67278}" type="datetimeFigureOut">
               <a:rPr lang="en-US" smtClean="0"/>
-              <a:t>11/20/2025</a:t>
+              <a:t>11/27/2025</a:t>
             </a:fld>
             <a:endParaRPr lang="en-US"/>
           </a:p>
@@ -1427,7 +1428,7 @@
           <a:p>
             <a:fld id="{8FAF777D-AA10-4302-9FEE-E5B4EBC67278}" type="datetimeFigureOut">
               <a:rPr lang="en-US" smtClean="0"/>
-              <a:t>11/20/2025</a:t>
+              <a:t>11/27/2025</a:t>
             </a:fld>
             <a:endParaRPr lang="en-US"/>
           </a:p>
@@ -1843,7 +1844,7 @@
           <a:p>
             <a:fld id="{8FAF777D-AA10-4302-9FEE-E5B4EBC67278}" type="datetimeFigureOut">
               <a:rPr lang="en-US" smtClean="0"/>
-              <a:t>11/20/2025</a:t>
+              <a:t>11/27/2025</a:t>
             </a:fld>
             <a:endParaRPr lang="en-US"/>
           </a:p>
@@ -1992,7 +1993,7 @@
           <a:p>
             <a:fld id="{8FAF777D-AA10-4302-9FEE-E5B4EBC67278}" type="datetimeFigureOut">
               <a:rPr lang="en-US" smtClean="0"/>
-              <a:t>11/20/2025</a:t>
+              <a:t>11/27/2025</a:t>
             </a:fld>
             <a:endParaRPr lang="en-US"/>
           </a:p>
@@ -2118,7 +2119,7 @@
           <a:p>
             <a:fld id="{8FAF777D-AA10-4302-9FEE-E5B4EBC67278}" type="datetimeFigureOut">
               <a:rPr lang="en-US" smtClean="0"/>
-              <a:t>11/20/2025</a:t>
+              <a:t>11/27/2025</a:t>
             </a:fld>
             <a:endParaRPr lang="en-US"/>
           </a:p>
@@ -2369,7 +2370,7 @@
           <a:p>
             <a:fld id="{8FAF777D-AA10-4302-9FEE-E5B4EBC67278}" type="datetimeFigureOut">
               <a:rPr lang="en-US" smtClean="0"/>
-              <a:t>11/20/2025</a:t>
+              <a:t>11/27/2025</a:t>
             </a:fld>
             <a:endParaRPr lang="en-US"/>
           </a:p>
@@ -2814,7 +2815,7 @@
           <a:p>
             <a:fld id="{8FAF777D-AA10-4302-9FEE-E5B4EBC67278}" type="datetimeFigureOut">
               <a:rPr lang="en-US" smtClean="0"/>
-              <a:t>11/20/2025</a:t>
+              <a:t>11/27/2025</a:t>
             </a:fld>
             <a:endParaRPr lang="en-US"/>
           </a:p>
@@ -3141,7 +3142,7 @@
           <a:p>
             <a:fld id="{8FAF777D-AA10-4302-9FEE-E5B4EBC67278}" type="datetimeFigureOut">
               <a:rPr lang="en-US" smtClean="0"/>
-              <a:t>11/20/2025</a:t>
+              <a:t>11/27/2025</a:t>
             </a:fld>
             <a:endParaRPr lang="en-US"/>
           </a:p>
@@ -5453,6 +5454,210 @@
 </p:sld>
 </file>
 
+<file path=ppt/slides/slide4.xml><?xml version="1.0" encoding="utf-8"?>
+<p:sld xmlns:a="http://schemas.openxmlformats.org/drawingml/2006/main" xmlns:r="http://schemas.openxmlformats.org/officeDocument/2006/relationships" xmlns:p="http://schemas.openxmlformats.org/presentationml/2006/main">
+  <p:cSld>
+    <p:spTree>
+      <p:nvGrpSpPr>
+        <p:cNvPr id="1" name="">
+          <a:extLst>
+            <a:ext uri="{FF2B5EF4-FFF2-40B4-BE49-F238E27FC236}">
+              <a16:creationId xmlns:a16="http://schemas.microsoft.com/office/drawing/2014/main" id="{BBBF79DB-42F9-A37D-6EEB-9B529C27A8B4}"/>
+            </a:ext>
+          </a:extLst>
+        </p:cNvPr>
+        <p:cNvGrpSpPr/>
+        <p:nvPr/>
+      </p:nvGrpSpPr>
+      <p:grpSpPr>
+        <a:xfrm>
+          <a:off x="0" y="0"/>
+          <a:ext cx="0" cy="0"/>
+          <a:chOff x="0" y="0"/>
+          <a:chExt cx="0" cy="0"/>
+        </a:xfrm>
+      </p:grpSpPr>
+      <p:sp>
+        <p:nvSpPr>
+          <p:cNvPr id="2" name="Title 1">
+            <a:extLst>
+              <a:ext uri="{FF2B5EF4-FFF2-40B4-BE49-F238E27FC236}">
+                <a16:creationId xmlns:a16="http://schemas.microsoft.com/office/drawing/2014/main" id="{3CFCF17E-CDD4-783B-8E80-795FB6E60E86}"/>
+              </a:ext>
+            </a:extLst>
+          </p:cNvPr>
+          <p:cNvSpPr>
+            <a:spLocks noGrp="1"/>
+          </p:cNvSpPr>
+          <p:nvPr>
+            <p:ph type="title"/>
+          </p:nvPr>
+        </p:nvSpPr>
+        <p:spPr/>
+        <p:txBody>
+          <a:bodyPr/>
+          <a:lstStyle/>
+          <a:p>
+            <a:r>
+              <a:rPr lang="en-US">
+                <a:latin typeface="Arial" panose="020B0604020202020204" pitchFamily="34" charset="0"/>
+                <a:cs typeface="Arial" panose="020B0604020202020204" pitchFamily="34" charset="0"/>
+              </a:rPr>
+              <a:t>Một số vấn đề khi sử dụng thư viện</a:t>
+            </a:r>
+            <a:endParaRPr lang="en-US" dirty="0">
+              <a:latin typeface="Arial" panose="020B0604020202020204" pitchFamily="34" charset="0"/>
+              <a:cs typeface="Arial" panose="020B0604020202020204" pitchFamily="34" charset="0"/>
+            </a:endParaRPr>
+          </a:p>
+        </p:txBody>
+      </p:sp>
+      <p:sp>
+        <p:nvSpPr>
+          <p:cNvPr id="3" name="Content Placeholder 2">
+            <a:extLst>
+              <a:ext uri="{FF2B5EF4-FFF2-40B4-BE49-F238E27FC236}">
+                <a16:creationId xmlns:a16="http://schemas.microsoft.com/office/drawing/2014/main" id="{F01464AE-1246-3526-502A-D6BE047427F6}"/>
+              </a:ext>
+            </a:extLst>
+          </p:cNvPr>
+          <p:cNvSpPr>
+            <a:spLocks noGrp="1"/>
+          </p:cNvSpPr>
+          <p:nvPr>
+            <p:ph idx="1"/>
+          </p:nvPr>
+        </p:nvSpPr>
+        <p:spPr>
+          <a:xfrm>
+            <a:off x="1451579" y="2015732"/>
+            <a:ext cx="9603275" cy="4134056"/>
+          </a:xfrm>
+        </p:spPr>
+        <p:txBody>
+          <a:bodyPr>
+            <a:normAutofit/>
+          </a:bodyPr>
+          <a:lstStyle/>
+          <a:p>
+            <a:r>
+              <a:rPr lang="en-US" sz="2200">
+                <a:latin typeface="Arial" panose="020B0604020202020204" pitchFamily="34" charset="0"/>
+                <a:cs typeface="Arial" panose="020B0604020202020204" pitchFamily="34" charset="0"/>
+              </a:rPr>
+              <a:t>Không cung cấp đủ (hoặc cung cấp sai) thư viện khi biên dịch</a:t>
+            </a:r>
+            <a:endParaRPr lang="en-US" sz="2200" dirty="0">
+              <a:latin typeface="Arial" panose="020B0604020202020204" pitchFamily="34" charset="0"/>
+              <a:cs typeface="Arial" panose="020B0604020202020204" pitchFamily="34" charset="0"/>
+            </a:endParaRPr>
+          </a:p>
+          <a:p>
+            <a:r>
+              <a:rPr lang="en-US" sz="2200">
+                <a:latin typeface="Arial" panose="020B0604020202020204" pitchFamily="34" charset="0"/>
+                <a:cs typeface="Arial" panose="020B0604020202020204" pitchFamily="34" charset="0"/>
+              </a:rPr>
+              <a:t>Vấn đề tương tự khi chạy ứng dụng</a:t>
+            </a:r>
+          </a:p>
+          <a:p>
+            <a:pPr lvl="1"/>
+            <a:r>
+              <a:rPr lang="en-US" sz="2000">
+                <a:latin typeface="Arial" panose="020B0604020202020204" pitchFamily="34" charset="0"/>
+                <a:cs typeface="Arial" panose="020B0604020202020204" pitchFamily="34" charset="0"/>
+              </a:rPr>
+              <a:t>Fix: Thêm </a:t>
+            </a:r>
+            <a:r>
+              <a:rPr lang="en-US" sz="2000">
+                <a:solidFill>
+                  <a:schemeClr val="accent5"/>
+                </a:solidFill>
+                <a:latin typeface="Arial" panose="020B0604020202020204" pitchFamily="34" charset="0"/>
+                <a:cs typeface="Arial" panose="020B0604020202020204" pitchFamily="34" charset="0"/>
+              </a:rPr>
+              <a:t>classpath</a:t>
+            </a:r>
+            <a:r>
+              <a:rPr lang="en-US" sz="2000">
+                <a:latin typeface="Arial" panose="020B0604020202020204" pitchFamily="34" charset="0"/>
+                <a:cs typeface="Arial" panose="020B0604020202020204" pitchFamily="34" charset="0"/>
+              </a:rPr>
+              <a:t> chứa đầy đủ thư viện khi biên dịch/chạy</a:t>
+            </a:r>
+            <a:br>
+              <a:rPr lang="en-US" sz="2000">
+                <a:latin typeface="Arial" panose="020B0604020202020204" pitchFamily="34" charset="0"/>
+                <a:cs typeface="Arial" panose="020B0604020202020204" pitchFamily="34" charset="0"/>
+              </a:rPr>
+            </a:br>
+            <a:endParaRPr lang="en-US" sz="2000">
+              <a:latin typeface="Arial" panose="020B0604020202020204" pitchFamily="34" charset="0"/>
+              <a:cs typeface="Arial" panose="020B0604020202020204" pitchFamily="34" charset="0"/>
+            </a:endParaRPr>
+          </a:p>
+          <a:p>
+            <a:r>
+              <a:rPr lang="en-US" sz="2200">
+                <a:latin typeface="Arial" panose="020B0604020202020204" pitchFamily="34" charset="0"/>
+                <a:cs typeface="Arial" panose="020B0604020202020204" pitchFamily="34" charset="0"/>
+              </a:rPr>
+              <a:t>Cung cấp sai version của thư viện khi chạy ứng dụng</a:t>
+            </a:r>
+          </a:p>
+          <a:p>
+            <a:r>
+              <a:rPr lang="en-US" sz="2200">
+                <a:latin typeface="Arial" panose="020B0604020202020204" pitchFamily="34" charset="0"/>
+                <a:cs typeface="Arial" panose="020B0604020202020204" pitchFamily="34" charset="0"/>
+              </a:rPr>
+              <a:t>Cung cấp nhiều phiên bản của cùng một thư viện</a:t>
+            </a:r>
+          </a:p>
+          <a:p>
+            <a:pPr lvl="1"/>
+            <a:r>
+              <a:rPr lang="en-US" sz="2000">
+                <a:latin typeface="Arial" panose="020B0604020202020204" pitchFamily="34" charset="0"/>
+                <a:cs typeface="Arial" panose="020B0604020202020204" pitchFamily="34" charset="0"/>
+              </a:rPr>
+              <a:t>Các lỗi </a:t>
+            </a:r>
+            <a:r>
+              <a:rPr lang="en-US" sz="2000">
+                <a:solidFill>
+                  <a:schemeClr val="accent4"/>
+                </a:solidFill>
+                <a:latin typeface="Arial" panose="020B0604020202020204" pitchFamily="34" charset="0"/>
+                <a:cs typeface="Arial" panose="020B0604020202020204" pitchFamily="34" charset="0"/>
+              </a:rPr>
+              <a:t>có thể </a:t>
+            </a:r>
+            <a:r>
+              <a:rPr lang="en-US" sz="2000">
+                <a:latin typeface="Arial" panose="020B0604020202020204" pitchFamily="34" charset="0"/>
+                <a:cs typeface="Arial" panose="020B0604020202020204" pitchFamily="34" charset="0"/>
+              </a:rPr>
+              <a:t>xảy ra: NoClassDefFoundError/ClassNotFoundException, NoSuchMethodError, NoSuchFieldError</a:t>
+            </a:r>
+          </a:p>
+        </p:txBody>
+      </p:sp>
+    </p:spTree>
+    <p:extLst>
+      <p:ext uri="{BB962C8B-B14F-4D97-AF65-F5344CB8AC3E}">
+        <p14:creationId xmlns:p14="http://schemas.microsoft.com/office/powerpoint/2010/main" val="1676331374"/>
+      </p:ext>
+    </p:extLst>
+  </p:cSld>
+  <p:clrMapOvr>
+    <a:masterClrMapping/>
+  </p:clrMapOvr>
+</p:sld>
+</file>
+
 <file path=ppt/theme/theme1.xml><?xml version="1.0" encoding="utf-8"?>
 <a:theme xmlns:a="http://schemas.openxmlformats.org/drawingml/2006/main" name="Gallery">
   <a:themeElements>

--- a/Basic Java.pptx
+++ b/Basic Java.pptx
@@ -9,6 +9,7 @@
     <p:sldId id="257" r:id="rId3"/>
     <p:sldId id="258" r:id="rId4"/>
     <p:sldId id="259" r:id="rId5"/>
+    <p:sldId id="260" r:id="rId6"/>
   </p:sldIdLst>
   <p:sldSz cx="12192000" cy="6858000"/>
   <p:notesSz cx="6858000" cy="9144000"/>
@@ -254,7 +255,7 @@
           <a:p>
             <a:fld id="{8FAF777D-AA10-4302-9FEE-E5B4EBC67278}" type="datetimeFigureOut">
               <a:rPr lang="en-US" smtClean="0"/>
-              <a:t>11/27/2025</a:t>
+              <a:t>12/4/2025</a:t>
             </a:fld>
             <a:endParaRPr lang="en-US"/>
           </a:p>
@@ -465,7 +466,7 @@
           <a:p>
             <a:fld id="{8FAF777D-AA10-4302-9FEE-E5B4EBC67278}" type="datetimeFigureOut">
               <a:rPr lang="en-US" smtClean="0"/>
-              <a:t>11/27/2025</a:t>
+              <a:t>12/4/2025</a:t>
             </a:fld>
             <a:endParaRPr lang="en-US"/>
           </a:p>
@@ -680,7 +681,7 @@
           <a:p>
             <a:fld id="{8FAF777D-AA10-4302-9FEE-E5B4EBC67278}" type="datetimeFigureOut">
               <a:rPr lang="en-US" smtClean="0"/>
-              <a:t>11/27/2025</a:t>
+              <a:t>12/4/2025</a:t>
             </a:fld>
             <a:endParaRPr lang="en-US"/>
           </a:p>
@@ -881,7 +882,7 @@
           <a:p>
             <a:fld id="{8FAF777D-AA10-4302-9FEE-E5B4EBC67278}" type="datetimeFigureOut">
               <a:rPr lang="en-US" smtClean="0"/>
-              <a:t>11/27/2025</a:t>
+              <a:t>12/4/2025</a:t>
             </a:fld>
             <a:endParaRPr lang="en-US"/>
           </a:p>
@@ -1160,7 +1161,7 @@
           <a:p>
             <a:fld id="{8FAF777D-AA10-4302-9FEE-E5B4EBC67278}" type="datetimeFigureOut">
               <a:rPr lang="en-US" smtClean="0"/>
-              <a:t>11/27/2025</a:t>
+              <a:t>12/4/2025</a:t>
             </a:fld>
             <a:endParaRPr lang="en-US"/>
           </a:p>
@@ -1428,7 +1429,7 @@
           <a:p>
             <a:fld id="{8FAF777D-AA10-4302-9FEE-E5B4EBC67278}" type="datetimeFigureOut">
               <a:rPr lang="en-US" smtClean="0"/>
-              <a:t>11/27/2025</a:t>
+              <a:t>12/4/2025</a:t>
             </a:fld>
             <a:endParaRPr lang="en-US"/>
           </a:p>
@@ -1844,7 +1845,7 @@
           <a:p>
             <a:fld id="{8FAF777D-AA10-4302-9FEE-E5B4EBC67278}" type="datetimeFigureOut">
               <a:rPr lang="en-US" smtClean="0"/>
-              <a:t>11/27/2025</a:t>
+              <a:t>12/4/2025</a:t>
             </a:fld>
             <a:endParaRPr lang="en-US"/>
           </a:p>
@@ -1993,7 +1994,7 @@
           <a:p>
             <a:fld id="{8FAF777D-AA10-4302-9FEE-E5B4EBC67278}" type="datetimeFigureOut">
               <a:rPr lang="en-US" smtClean="0"/>
-              <a:t>11/27/2025</a:t>
+              <a:t>12/4/2025</a:t>
             </a:fld>
             <a:endParaRPr lang="en-US"/>
           </a:p>
@@ -2119,7 +2120,7 @@
           <a:p>
             <a:fld id="{8FAF777D-AA10-4302-9FEE-E5B4EBC67278}" type="datetimeFigureOut">
               <a:rPr lang="en-US" smtClean="0"/>
-              <a:t>11/27/2025</a:t>
+              <a:t>12/4/2025</a:t>
             </a:fld>
             <a:endParaRPr lang="en-US"/>
           </a:p>
@@ -2370,7 +2371,7 @@
           <a:p>
             <a:fld id="{8FAF777D-AA10-4302-9FEE-E5B4EBC67278}" type="datetimeFigureOut">
               <a:rPr lang="en-US" smtClean="0"/>
-              <a:t>11/27/2025</a:t>
+              <a:t>12/4/2025</a:t>
             </a:fld>
             <a:endParaRPr lang="en-US"/>
           </a:p>
@@ -2815,7 +2816,7 @@
           <a:p>
             <a:fld id="{8FAF777D-AA10-4302-9FEE-E5B4EBC67278}" type="datetimeFigureOut">
               <a:rPr lang="en-US" smtClean="0"/>
-              <a:t>11/27/2025</a:t>
+              <a:t>12/4/2025</a:t>
             </a:fld>
             <a:endParaRPr lang="en-US"/>
           </a:p>
@@ -3142,7 +3143,7 @@
           <a:p>
             <a:fld id="{8FAF777D-AA10-4302-9FEE-E5B4EBC67278}" type="datetimeFigureOut">
               <a:rPr lang="en-US" smtClean="0"/>
-              <a:t>11/27/2025</a:t>
+              <a:t>12/4/2025</a:t>
             </a:fld>
             <a:endParaRPr lang="en-US"/>
           </a:p>
@@ -5658,6 +5659,312 @@
 </p:sld>
 </file>
 
+<file path=ppt/slides/slide5.xml><?xml version="1.0" encoding="utf-8"?>
+<p:sld xmlns:a="http://schemas.openxmlformats.org/drawingml/2006/main" xmlns:r="http://schemas.openxmlformats.org/officeDocument/2006/relationships" xmlns:p="http://schemas.openxmlformats.org/presentationml/2006/main">
+  <p:cSld>
+    <p:spTree>
+      <p:nvGrpSpPr>
+        <p:cNvPr id="1" name="">
+          <a:extLst>
+            <a:ext uri="{FF2B5EF4-FFF2-40B4-BE49-F238E27FC236}">
+              <a16:creationId xmlns:a16="http://schemas.microsoft.com/office/drawing/2014/main" id="{8C3423C8-66C9-4E0F-34CB-1966A78E44D4}"/>
+            </a:ext>
+          </a:extLst>
+        </p:cNvPr>
+        <p:cNvGrpSpPr/>
+        <p:nvPr/>
+      </p:nvGrpSpPr>
+      <p:grpSpPr>
+        <a:xfrm>
+          <a:off x="0" y="0"/>
+          <a:ext cx="0" cy="0"/>
+          <a:chOff x="0" y="0"/>
+          <a:chExt cx="0" cy="0"/>
+        </a:xfrm>
+      </p:grpSpPr>
+      <p:sp>
+        <p:nvSpPr>
+          <p:cNvPr id="2" name="Title 1">
+            <a:extLst>
+              <a:ext uri="{FF2B5EF4-FFF2-40B4-BE49-F238E27FC236}">
+                <a16:creationId xmlns:a16="http://schemas.microsoft.com/office/drawing/2014/main" id="{3BB266C2-84F7-62ED-0F91-E1ADBA452421}"/>
+              </a:ext>
+            </a:extLst>
+          </p:cNvPr>
+          <p:cNvSpPr>
+            <a:spLocks noGrp="1"/>
+          </p:cNvSpPr>
+          <p:nvPr>
+            <p:ph type="title"/>
+          </p:nvPr>
+        </p:nvSpPr>
+        <p:spPr/>
+        <p:txBody>
+          <a:bodyPr/>
+          <a:lstStyle/>
+          <a:p>
+            <a:r>
+              <a:rPr lang="en-US">
+                <a:latin typeface="Arial" panose="020B0604020202020204" pitchFamily="34" charset="0"/>
+                <a:cs typeface="Arial" panose="020B0604020202020204" pitchFamily="34" charset="0"/>
+              </a:rPr>
+              <a:t>Ví dụ với Spring app đơn giản (cmd)</a:t>
+            </a:r>
+            <a:endParaRPr lang="en-US" dirty="0">
+              <a:latin typeface="Arial" panose="020B0604020202020204" pitchFamily="34" charset="0"/>
+              <a:cs typeface="Arial" panose="020B0604020202020204" pitchFamily="34" charset="0"/>
+            </a:endParaRPr>
+          </a:p>
+        </p:txBody>
+      </p:sp>
+      <p:sp>
+        <p:nvSpPr>
+          <p:cNvPr id="3" name="Content Placeholder 2">
+            <a:extLst>
+              <a:ext uri="{FF2B5EF4-FFF2-40B4-BE49-F238E27FC236}">
+                <a16:creationId xmlns:a16="http://schemas.microsoft.com/office/drawing/2014/main" id="{3039C501-7D1B-178F-EB61-2D2612C2C3C0}"/>
+              </a:ext>
+            </a:extLst>
+          </p:cNvPr>
+          <p:cNvSpPr>
+            <a:spLocks noGrp="1"/>
+          </p:cNvSpPr>
+          <p:nvPr>
+            <p:ph idx="1"/>
+          </p:nvPr>
+        </p:nvSpPr>
+        <p:spPr>
+          <a:xfrm>
+            <a:off x="1451579" y="2015732"/>
+            <a:ext cx="9603275" cy="4134056"/>
+          </a:xfrm>
+        </p:spPr>
+        <p:txBody>
+          <a:bodyPr>
+            <a:normAutofit/>
+          </a:bodyPr>
+          <a:lstStyle/>
+          <a:p>
+            <a:r>
+              <a:rPr lang="en-US">
+                <a:latin typeface="Arial" panose="020B0604020202020204" pitchFamily="34" charset="0"/>
+                <a:cs typeface="Arial" panose="020B0604020202020204" pitchFamily="34" charset="0"/>
+              </a:rPr>
+              <a:t>jar</a:t>
+            </a:r>
+            <a:r>
+              <a:rPr lang="en-US" i="1">
+                <a:solidFill>
+                  <a:schemeClr val="accent5"/>
+                </a:solidFill>
+                <a:latin typeface="Arial" panose="020B0604020202020204" pitchFamily="34" charset="0"/>
+                <a:cs typeface="Arial" panose="020B0604020202020204" pitchFamily="34" charset="0"/>
+              </a:rPr>
+              <a:t>: </a:t>
+            </a:r>
+            <a:r>
+              <a:rPr lang="en-US" b="1">
+                <a:latin typeface="Arial" panose="020B0604020202020204" pitchFamily="34" charset="0"/>
+                <a:cs typeface="Arial" panose="020B0604020202020204" pitchFamily="34" charset="0"/>
+              </a:rPr>
+              <a:t>J</a:t>
+            </a:r>
+            <a:r>
+              <a:rPr lang="en-US">
+                <a:latin typeface="Arial" panose="020B0604020202020204" pitchFamily="34" charset="0"/>
+                <a:cs typeface="Arial" panose="020B0604020202020204" pitchFamily="34" charset="0"/>
+              </a:rPr>
+              <a:t>ava</a:t>
+            </a:r>
+            <a:r>
+              <a:rPr lang="en-US">
+                <a:solidFill>
+                  <a:schemeClr val="accent5"/>
+                </a:solidFill>
+                <a:latin typeface="Arial" panose="020B0604020202020204" pitchFamily="34" charset="0"/>
+                <a:cs typeface="Arial" panose="020B0604020202020204" pitchFamily="34" charset="0"/>
+              </a:rPr>
+              <a:t> </a:t>
+            </a:r>
+            <a:r>
+              <a:rPr lang="en-US" b="1">
+                <a:latin typeface="Arial" panose="020B0604020202020204" pitchFamily="34" charset="0"/>
+                <a:cs typeface="Arial" panose="020B0604020202020204" pitchFamily="34" charset="0"/>
+              </a:rPr>
+              <a:t>Ar</a:t>
+            </a:r>
+            <a:r>
+              <a:rPr lang="en-US">
+                <a:latin typeface="Arial" panose="020B0604020202020204" pitchFamily="34" charset="0"/>
+                <a:cs typeface="Arial" panose="020B0604020202020204" pitchFamily="34" charset="0"/>
+              </a:rPr>
+              <a:t>chive</a:t>
+            </a:r>
+          </a:p>
+          <a:p>
+            <a:pPr lvl="1"/>
+            <a:r>
+              <a:rPr lang="en-US">
+                <a:latin typeface="Arial" panose="020B0604020202020204" pitchFamily="34" charset="0"/>
+                <a:cs typeface="Arial" panose="020B0604020202020204" pitchFamily="34" charset="0"/>
+              </a:rPr>
+              <a:t>Định dạng</a:t>
+            </a:r>
+            <a:r>
+              <a:rPr lang="en-US"/>
+              <a:t> </a:t>
+            </a:r>
+            <a:r>
+              <a:rPr lang="en-US">
+                <a:latin typeface="Arial" panose="020B0604020202020204" pitchFamily="34" charset="0"/>
+                <a:cs typeface="Arial" panose="020B0604020202020204" pitchFamily="34" charset="0"/>
+              </a:rPr>
+              <a:t>đóng gói các file class, resource và metadata của ứng dụng Java</a:t>
+            </a:r>
+          </a:p>
+          <a:p>
+            <a:pPr lvl="1"/>
+            <a:r>
+              <a:rPr lang="en-US">
+                <a:latin typeface="Arial" panose="020B0604020202020204" pitchFamily="34" charset="0"/>
+                <a:cs typeface="Arial" panose="020B0604020202020204" pitchFamily="34" charset="0"/>
+              </a:rPr>
+              <a:t>JDK cung cấp tiện ích đi kèm là </a:t>
+            </a:r>
+            <a:r>
+              <a:rPr lang="en-US" i="1">
+                <a:solidFill>
+                  <a:schemeClr val="accent5"/>
+                </a:solidFill>
+                <a:latin typeface="Arial" panose="020B0604020202020204" pitchFamily="34" charset="0"/>
+                <a:cs typeface="Arial" panose="020B0604020202020204" pitchFamily="34" charset="0"/>
+              </a:rPr>
+              <a:t>jar</a:t>
+            </a:r>
+            <a:r>
+              <a:rPr lang="en-US">
+                <a:latin typeface="Arial" panose="020B0604020202020204" pitchFamily="34" charset="0"/>
+                <a:cs typeface="Arial" panose="020B0604020202020204" pitchFamily="34" charset="0"/>
+              </a:rPr>
+              <a:t>, dùng để tạo/manage jar file</a:t>
+            </a:r>
+          </a:p>
+          <a:p>
+            <a:endParaRPr lang="en-US" sz="2000">
+              <a:latin typeface="Arial" panose="020B0604020202020204" pitchFamily="34" charset="0"/>
+              <a:cs typeface="Arial" panose="020B0604020202020204" pitchFamily="34" charset="0"/>
+            </a:endParaRPr>
+          </a:p>
+          <a:p>
+            <a:pPr marL="0" indent="0">
+              <a:buNone/>
+            </a:pPr>
+            <a:r>
+              <a:rPr lang="en-US" sz="1900" i="1">
+                <a:solidFill>
+                  <a:schemeClr val="accent5"/>
+                </a:solidFill>
+                <a:latin typeface="Arial" panose="020B0604020202020204" pitchFamily="34" charset="0"/>
+                <a:cs typeface="Arial" panose="020B0604020202020204" pitchFamily="34" charset="0"/>
+              </a:rPr>
+              <a:t>javac</a:t>
+            </a:r>
+            <a:r>
+              <a:rPr lang="en-US" sz="1900">
+                <a:latin typeface="Arial" panose="020B0604020202020204" pitchFamily="34" charset="0"/>
+                <a:cs typeface="Arial" panose="020B0604020202020204" pitchFamily="34" charset="0"/>
+              </a:rPr>
+              <a:t> -cp "lib\*" -d out (Get-ChildItem -Recurse -Filter *.java).FullName</a:t>
+            </a:r>
+            <a:br>
+              <a:rPr lang="en-US" sz="1900">
+                <a:latin typeface="Arial" panose="020B0604020202020204" pitchFamily="34" charset="0"/>
+                <a:cs typeface="Arial" panose="020B0604020202020204" pitchFamily="34" charset="0"/>
+              </a:rPr>
+            </a:br>
+            <a:r>
+              <a:rPr lang="en-US" sz="1900" i="1">
+                <a:solidFill>
+                  <a:schemeClr val="accent5"/>
+                </a:solidFill>
+                <a:latin typeface="Arial" panose="020B0604020202020204" pitchFamily="34" charset="0"/>
+                <a:cs typeface="Arial" panose="020B0604020202020204" pitchFamily="34" charset="0"/>
+              </a:rPr>
+              <a:t>jar</a:t>
+            </a:r>
+            <a:r>
+              <a:rPr lang="en-US" sz="1900">
+                <a:latin typeface="Arial" panose="020B0604020202020204" pitchFamily="34" charset="0"/>
+                <a:cs typeface="Arial" panose="020B0604020202020204" pitchFamily="34" charset="0"/>
+              </a:rPr>
+              <a:t> cvfm </a:t>
+            </a:r>
+            <a:r>
+              <a:rPr lang="en-US" sz="1900">
+                <a:solidFill>
+                  <a:srgbClr val="FF0000"/>
+                </a:solidFill>
+                <a:latin typeface="Arial" panose="020B0604020202020204" pitchFamily="34" charset="0"/>
+                <a:cs typeface="Arial" panose="020B0604020202020204" pitchFamily="34" charset="0"/>
+              </a:rPr>
+              <a:t>commandline.jar</a:t>
+            </a:r>
+            <a:r>
+              <a:rPr lang="en-US" sz="1900">
+                <a:latin typeface="Arial" panose="020B0604020202020204" pitchFamily="34" charset="0"/>
+                <a:cs typeface="Arial" panose="020B0604020202020204" pitchFamily="34" charset="0"/>
+              </a:rPr>
+              <a:t> META-INF\MANIFEST.MF -C out .</a:t>
+            </a:r>
+            <a:br>
+              <a:rPr lang="en-US" sz="1900">
+                <a:latin typeface="Arial" panose="020B0604020202020204" pitchFamily="34" charset="0"/>
+                <a:cs typeface="Arial" panose="020B0604020202020204" pitchFamily="34" charset="0"/>
+              </a:rPr>
+            </a:br>
+            <a:r>
+              <a:rPr lang="en-US" sz="1900" i="1">
+                <a:solidFill>
+                  <a:schemeClr val="accent5"/>
+                </a:solidFill>
+                <a:latin typeface="Arial" panose="020B0604020202020204" pitchFamily="34" charset="0"/>
+                <a:cs typeface="Arial" panose="020B0604020202020204" pitchFamily="34" charset="0"/>
+              </a:rPr>
+              <a:t>java</a:t>
+            </a:r>
+            <a:r>
+              <a:rPr lang="en-US" sz="1900">
+                <a:latin typeface="Arial" panose="020B0604020202020204" pitchFamily="34" charset="0"/>
+                <a:cs typeface="Arial" panose="020B0604020202020204" pitchFamily="34" charset="0"/>
+              </a:rPr>
+              <a:t> -cp "commandline.jar;lib\*" com.example.Main</a:t>
+            </a:r>
+            <a:br>
+              <a:rPr lang="en-US">
+                <a:latin typeface="Arial" panose="020B0604020202020204" pitchFamily="34" charset="0"/>
+                <a:cs typeface="Arial" panose="020B0604020202020204" pitchFamily="34" charset="0"/>
+              </a:rPr>
+            </a:br>
+            <a:endParaRPr lang="en-US">
+              <a:latin typeface="Arial" panose="020B0604020202020204" pitchFamily="34" charset="0"/>
+              <a:cs typeface="Arial" panose="020B0604020202020204" pitchFamily="34" charset="0"/>
+            </a:endParaRPr>
+          </a:p>
+        </p:txBody>
+      </p:sp>
+    </p:spTree>
+    <p:extLst>
+      <p:ext uri="{BB962C8B-B14F-4D97-AF65-F5344CB8AC3E}">
+        <p14:creationId xmlns:p14="http://schemas.microsoft.com/office/powerpoint/2010/main" val="4199083835"/>
+      </p:ext>
+    </p:extLst>
+  </p:cSld>
+  <p:clrMapOvr>
+    <a:masterClrMapping/>
+  </p:clrMapOvr>
+</p:sld>
+</file>
+
 <file path=ppt/theme/theme1.xml><?xml version="1.0" encoding="utf-8"?>
 <a:theme xmlns:a="http://schemas.openxmlformats.org/drawingml/2006/main" name="Gallery">
   <a:themeElements>

--- a/Basic Java.pptx
+++ b/Basic Java.pptx
@@ -255,7 +255,7 @@
           <a:p>
             <a:fld id="{8FAF777D-AA10-4302-9FEE-E5B4EBC67278}" type="datetimeFigureOut">
               <a:rPr lang="en-US" smtClean="0"/>
-              <a:t>12/4/2025</a:t>
+              <a:t>12/18/2025</a:t>
             </a:fld>
             <a:endParaRPr lang="en-US"/>
           </a:p>
@@ -466,7 +466,7 @@
           <a:p>
             <a:fld id="{8FAF777D-AA10-4302-9FEE-E5B4EBC67278}" type="datetimeFigureOut">
               <a:rPr lang="en-US" smtClean="0"/>
-              <a:t>12/4/2025</a:t>
+              <a:t>12/18/2025</a:t>
             </a:fld>
             <a:endParaRPr lang="en-US"/>
           </a:p>
@@ -681,7 +681,7 @@
           <a:p>
             <a:fld id="{8FAF777D-AA10-4302-9FEE-E5B4EBC67278}" type="datetimeFigureOut">
               <a:rPr lang="en-US" smtClean="0"/>
-              <a:t>12/4/2025</a:t>
+              <a:t>12/18/2025</a:t>
             </a:fld>
             <a:endParaRPr lang="en-US"/>
           </a:p>
@@ -882,7 +882,7 @@
           <a:p>
             <a:fld id="{8FAF777D-AA10-4302-9FEE-E5B4EBC67278}" type="datetimeFigureOut">
               <a:rPr lang="en-US" smtClean="0"/>
-              <a:t>12/4/2025</a:t>
+              <a:t>12/18/2025</a:t>
             </a:fld>
             <a:endParaRPr lang="en-US"/>
           </a:p>
@@ -1161,7 +1161,7 @@
           <a:p>
             <a:fld id="{8FAF777D-AA10-4302-9FEE-E5B4EBC67278}" type="datetimeFigureOut">
               <a:rPr lang="en-US" smtClean="0"/>
-              <a:t>12/4/2025</a:t>
+              <a:t>12/18/2025</a:t>
             </a:fld>
             <a:endParaRPr lang="en-US"/>
           </a:p>
@@ -1429,7 +1429,7 @@
           <a:p>
             <a:fld id="{8FAF777D-AA10-4302-9FEE-E5B4EBC67278}" type="datetimeFigureOut">
               <a:rPr lang="en-US" smtClean="0"/>
-              <a:t>12/4/2025</a:t>
+              <a:t>12/18/2025</a:t>
             </a:fld>
             <a:endParaRPr lang="en-US"/>
           </a:p>
@@ -1845,7 +1845,7 @@
           <a:p>
             <a:fld id="{8FAF777D-AA10-4302-9FEE-E5B4EBC67278}" type="datetimeFigureOut">
               <a:rPr lang="en-US" smtClean="0"/>
-              <a:t>12/4/2025</a:t>
+              <a:t>12/18/2025</a:t>
             </a:fld>
             <a:endParaRPr lang="en-US"/>
           </a:p>
@@ -1994,7 +1994,7 @@
           <a:p>
             <a:fld id="{8FAF777D-AA10-4302-9FEE-E5B4EBC67278}" type="datetimeFigureOut">
               <a:rPr lang="en-US" smtClean="0"/>
-              <a:t>12/4/2025</a:t>
+              <a:t>12/18/2025</a:t>
             </a:fld>
             <a:endParaRPr lang="en-US"/>
           </a:p>
@@ -2120,7 +2120,7 @@
           <a:p>
             <a:fld id="{8FAF777D-AA10-4302-9FEE-E5B4EBC67278}" type="datetimeFigureOut">
               <a:rPr lang="en-US" smtClean="0"/>
-              <a:t>12/4/2025</a:t>
+              <a:t>12/18/2025</a:t>
             </a:fld>
             <a:endParaRPr lang="en-US"/>
           </a:p>
@@ -2371,7 +2371,7 @@
           <a:p>
             <a:fld id="{8FAF777D-AA10-4302-9FEE-E5B4EBC67278}" type="datetimeFigureOut">
               <a:rPr lang="en-US" smtClean="0"/>
-              <a:t>12/4/2025</a:t>
+              <a:t>12/18/2025</a:t>
             </a:fld>
             <a:endParaRPr lang="en-US"/>
           </a:p>
@@ -2816,7 +2816,7 @@
           <a:p>
             <a:fld id="{8FAF777D-AA10-4302-9FEE-E5B4EBC67278}" type="datetimeFigureOut">
               <a:rPr lang="en-US" smtClean="0"/>
-              <a:t>12/4/2025</a:t>
+              <a:t>12/18/2025</a:t>
             </a:fld>
             <a:endParaRPr lang="en-US"/>
           </a:p>
@@ -3143,7 +3143,7 @@
           <a:p>
             <a:fld id="{8FAF777D-AA10-4302-9FEE-E5B4EBC67278}" type="datetimeFigureOut">
               <a:rPr lang="en-US" smtClean="0"/>
-              <a:t>12/4/2025</a:t>
+              <a:t>12/18/2025</a:t>
             </a:fld>
             <a:endParaRPr lang="en-US"/>
           </a:p>
@@ -5741,7 +5741,7 @@
         </p:spPr>
         <p:txBody>
           <a:bodyPr>
-            <a:normAutofit/>
+            <a:normAutofit lnSpcReduction="10000"/>
           </a:bodyPr>
           <a:lstStyle/>
           <a:p>
@@ -5847,6 +5847,24 @@
                 <a:cs typeface="Arial" panose="020B0604020202020204" pitchFamily="34" charset="0"/>
               </a:rPr>
               <a:t>, dùng để tạo/manage jar file</a:t>
+            </a:r>
+          </a:p>
+          <a:p>
+            <a:r>
+              <a:rPr lang="en-US">
+                <a:latin typeface="Arial" panose="020B0604020202020204" pitchFamily="34" charset="0"/>
+                <a:cs typeface="Arial" panose="020B0604020202020204" pitchFamily="34" charset="0"/>
+              </a:rPr>
+              <a:t>Non-executable jar: Không chứa method main</a:t>
+            </a:r>
+          </a:p>
+          <a:p>
+            <a:r>
+              <a:rPr lang="en-US">
+                <a:latin typeface="Arial" panose="020B0604020202020204" pitchFamily="34" charset="0"/>
+                <a:cs typeface="Arial" panose="020B0604020202020204" pitchFamily="34" charset="0"/>
+              </a:rPr>
+              <a:t>Executable jar: Chứa method main, chạy được</a:t>
             </a:r>
           </a:p>
           <a:p>
